--- a/DataScience/PresentacionChallengeDataScience.pptx
+++ b/DataScience/PresentacionChallengeDataScience.pptx
@@ -113,6 +113,11 @@
       </a:defRPr>
     </a:lvl9pPr>
   </p:defaultTextStyle>
+  <p:extLst>
+    <p:ext uri="{EFAFB233-063F-42B5-8137-9DF3F51BA10A}">
+      <p15:sldGuideLst xmlns:p15="http://schemas.microsoft.com/office/powerpoint/2012/main"/>
+    </p:ext>
+  </p:extLst>
 </p:presentation>
 </file>
 
@@ -11688,7 +11693,7 @@
           </a:ln>
           <a:extLst>
             <a:ext uri="{C572A759-6A51-4108-AA02-DFA0A04FC94B}">
-              <ma14:wrappingTextBoxFlag xmlns="" xmlns:m="http://schemas.openxmlformats.org/officeDocument/2006/math" xmlns:a14="http://schemas.microsoft.com/office/drawing/2010/main" xmlns:ma14="http://schemas.microsoft.com/office/mac/drawingml/2011/main" val="1"/>
+              <ma14:wrappingTextBoxFlag xmlns:ma14="http://schemas.microsoft.com/office/mac/drawingml/2011/main" xmlns:a14="http://schemas.microsoft.com/office/drawing/2010/main" xmlns:m="http://schemas.openxmlformats.org/officeDocument/2006/math" xmlns="" val="1"/>
             </a:ext>
           </a:extLst>
         </p:spPr>
@@ -13550,7 +13555,7 @@
           <a:lstStyle/>
           <a:p>
             <a:r>
-              <a:rPr lang="es-ES"/>
+              <a:rPr lang="es-ES" dirty="0"/>
               <a:t>Definición de estandarización</a:t>
             </a:r>
           </a:p>
@@ -13736,8 +13741,8 @@
           </a:p>
         </p:txBody>
       </p:sp>
-      <mc:AlternateContent xmlns:mc="http://schemas.openxmlformats.org/markup-compatibility/2006">
-        <mc:Choice xmlns:a14="http://schemas.microsoft.com/office/drawing/2010/main" Requires="a14">
+      <mc:AlternateContent xmlns:mc="http://schemas.openxmlformats.org/markup-compatibility/2006" xmlns:a14="http://schemas.microsoft.com/office/drawing/2010/main">
+        <mc:Choice Requires="a14">
           <p:sp>
             <p:nvSpPr>
               <p:cNvPr id="11" name="Marcador de texto 10">
@@ -13883,7 +13888,7 @@
             </p:txBody>
           </p:sp>
         </mc:Choice>
-        <mc:Fallback>
+        <mc:Fallback xmlns="">
           <p:sp>
             <p:nvSpPr>
               <p:cNvPr id="11" name="Marcador de texto 10">
@@ -13927,8 +13932,8 @@
           </p:sp>
         </mc:Fallback>
       </mc:AlternateContent>
-      <mc:AlternateContent xmlns:mc="http://schemas.openxmlformats.org/markup-compatibility/2006">
-        <mc:Choice xmlns:a14="http://schemas.microsoft.com/office/drawing/2010/main" Requires="a14">
+      <mc:AlternateContent xmlns:mc="http://schemas.openxmlformats.org/markup-compatibility/2006" xmlns:a14="http://schemas.microsoft.com/office/drawing/2010/main">
+        <mc:Choice Requires="a14">
           <p:sp>
             <p:nvSpPr>
               <p:cNvPr id="18" name="CuadroTexto 17">
@@ -14016,7 +14021,7 @@
             </p:txBody>
           </p:sp>
         </mc:Choice>
-        <mc:Fallback>
+        <mc:Fallback xmlns="">
           <p:sp>
             <p:nvSpPr>
               <p:cNvPr id="18" name="CuadroTexto 17">
@@ -14211,13 +14216,13 @@
         </p:nvSpPr>
         <p:spPr>
           <a:xfrm>
-            <a:off x="592282" y="3429000"/>
-            <a:ext cx="11134673" cy="2380244"/>
+            <a:off x="592282" y="2226365"/>
+            <a:ext cx="11134673" cy="3582879"/>
           </a:xfrm>
         </p:spPr>
         <p:txBody>
           <a:bodyPr>
-            <a:normAutofit fontScale="77500" lnSpcReduction="20000"/>
+            <a:normAutofit/>
           </a:bodyPr>
           <a:lstStyle/>
           <a:p>
